--- a/(宣道詩139)耶穌恩友.pptx
+++ b/(宣道詩139)耶穌恩友.pptx
@@ -12,7 +12,7 @@
     <p:sldId id="260" r:id="rId6"/>
     <p:sldId id="261" r:id="rId7"/>
   </p:sldIdLst>
-  <p:sldSz cx="9144000" cy="6858000" type="screen4x3"/>
+  <p:sldSz cx="9144000" cy="5143500" type="screen16x9"/>
   <p:notesSz cx="6858000" cy="9144000"/>
   <p:defaultTextStyle>
     <a:defPPr>
@@ -141,8 +141,8 @@
         </p:nvSpPr>
         <p:spPr>
           <a:xfrm>
-            <a:off x="685800" y="2130425"/>
-            <a:ext cx="7772400" cy="1470025"/>
+            <a:off x="685800" y="1597819"/>
+            <a:ext cx="7772400" cy="1102519"/>
           </a:xfrm>
         </p:spPr>
         <p:txBody>
@@ -169,8 +169,8 @@
         </p:nvSpPr>
         <p:spPr>
           <a:xfrm>
-            <a:off x="1371600" y="3886200"/>
-            <a:ext cx="6400800" cy="1752600"/>
+            <a:off x="1371600" y="2914650"/>
+            <a:ext cx="6400800" cy="1314450"/>
           </a:xfrm>
         </p:spPr>
         <p:txBody>
@@ -294,7 +294,7 @@
             <a:fld id="{D04041B9-F864-44C2-A985-02331B6A2E1A}" type="datetimeFigureOut">
               <a:rPr lang="zh-TW" altLang="en-US" smtClean="0"/>
               <a:pPr/>
-              <a:t>2018/8/25</a:t>
+              <a:t>2019/8/3</a:t>
             </a:fld>
             <a:endParaRPr lang="zh-TW" altLang="en-US"/>
           </a:p>
@@ -461,7 +461,7 @@
             <a:fld id="{D04041B9-F864-44C2-A985-02331B6A2E1A}" type="datetimeFigureOut">
               <a:rPr lang="zh-TW" altLang="en-US" smtClean="0"/>
               <a:pPr/>
-              <a:t>2018/8/25</a:t>
+              <a:t>2019/8/3</a:t>
             </a:fld>
             <a:endParaRPr lang="zh-TW" altLang="en-US"/>
           </a:p>
@@ -547,8 +547,8 @@
         </p:nvSpPr>
         <p:spPr>
           <a:xfrm>
-            <a:off x="6629400" y="274638"/>
-            <a:ext cx="2057400" cy="5851525"/>
+            <a:off x="6629400" y="205979"/>
+            <a:ext cx="2057400" cy="4388644"/>
           </a:xfrm>
         </p:spPr>
         <p:txBody>
@@ -575,8 +575,8 @@
         </p:nvSpPr>
         <p:spPr>
           <a:xfrm>
-            <a:off x="457200" y="274638"/>
-            <a:ext cx="6019800" cy="5851525"/>
+            <a:off x="457200" y="205979"/>
+            <a:ext cx="6019800" cy="4388644"/>
           </a:xfrm>
         </p:spPr>
         <p:txBody>
@@ -638,7 +638,7 @@
             <a:fld id="{D04041B9-F864-44C2-A985-02331B6A2E1A}" type="datetimeFigureOut">
               <a:rPr lang="zh-TW" altLang="en-US" smtClean="0"/>
               <a:pPr/>
-              <a:t>2018/8/25</a:t>
+              <a:t>2019/8/3</a:t>
             </a:fld>
             <a:endParaRPr lang="zh-TW" altLang="en-US"/>
           </a:p>
@@ -805,7 +805,7 @@
             <a:fld id="{D04041B9-F864-44C2-A985-02331B6A2E1A}" type="datetimeFigureOut">
               <a:rPr lang="zh-TW" altLang="en-US" smtClean="0"/>
               <a:pPr/>
-              <a:t>2018/8/25</a:t>
+              <a:t>2019/8/3</a:t>
             </a:fld>
             <a:endParaRPr lang="zh-TW" altLang="en-US"/>
           </a:p>
@@ -891,8 +891,8 @@
         </p:nvSpPr>
         <p:spPr>
           <a:xfrm>
-            <a:off x="722313" y="4406900"/>
-            <a:ext cx="7772400" cy="1362075"/>
+            <a:off x="722313" y="3305176"/>
+            <a:ext cx="7772400" cy="1021556"/>
           </a:xfrm>
         </p:spPr>
         <p:txBody>
@@ -923,8 +923,8 @@
         </p:nvSpPr>
         <p:spPr>
           <a:xfrm>
-            <a:off x="722313" y="2906713"/>
-            <a:ext cx="7772400" cy="1500187"/>
+            <a:off x="722313" y="2180035"/>
+            <a:ext cx="7772400" cy="1125140"/>
           </a:xfrm>
         </p:spPr>
         <p:txBody>
@@ -1048,7 +1048,7 @@
             <a:fld id="{D04041B9-F864-44C2-A985-02331B6A2E1A}" type="datetimeFigureOut">
               <a:rPr lang="zh-TW" altLang="en-US" smtClean="0"/>
               <a:pPr/>
-              <a:t>2018/8/25</a:t>
+              <a:t>2019/8/3</a:t>
             </a:fld>
             <a:endParaRPr lang="zh-TW" altLang="en-US"/>
           </a:p>
@@ -1157,8 +1157,8 @@
         </p:nvSpPr>
         <p:spPr>
           <a:xfrm>
-            <a:off x="457200" y="1600200"/>
-            <a:ext cx="4038600" cy="4525963"/>
+            <a:off x="457200" y="1200151"/>
+            <a:ext cx="4038600" cy="3394472"/>
           </a:xfrm>
         </p:spPr>
         <p:txBody>
@@ -1242,8 +1242,8 @@
         </p:nvSpPr>
         <p:spPr>
           <a:xfrm>
-            <a:off x="4648200" y="1600200"/>
-            <a:ext cx="4038600" cy="4525963"/>
+            <a:off x="4648200" y="1200151"/>
+            <a:ext cx="4038600" cy="3394472"/>
           </a:xfrm>
         </p:spPr>
         <p:txBody>
@@ -1333,7 +1333,7 @@
             <a:fld id="{D04041B9-F864-44C2-A985-02331B6A2E1A}" type="datetimeFigureOut">
               <a:rPr lang="zh-TW" altLang="en-US" smtClean="0"/>
               <a:pPr/>
-              <a:t>2018/8/25</a:t>
+              <a:t>2019/8/3</a:t>
             </a:fld>
             <a:endParaRPr lang="zh-TW" altLang="en-US"/>
           </a:p>
@@ -1446,8 +1446,8 @@
         </p:nvSpPr>
         <p:spPr>
           <a:xfrm>
-            <a:off x="457200" y="1535113"/>
-            <a:ext cx="4040188" cy="639762"/>
+            <a:off x="457200" y="1151335"/>
+            <a:ext cx="4040188" cy="479822"/>
           </a:xfrm>
         </p:spPr>
         <p:txBody>
@@ -1511,8 +1511,8 @@
         </p:nvSpPr>
         <p:spPr>
           <a:xfrm>
-            <a:off x="457200" y="2174875"/>
-            <a:ext cx="4040188" cy="3951288"/>
+            <a:off x="457200" y="1631156"/>
+            <a:ext cx="4040188" cy="2963466"/>
           </a:xfrm>
         </p:spPr>
         <p:txBody>
@@ -1596,8 +1596,8 @@
         </p:nvSpPr>
         <p:spPr>
           <a:xfrm>
-            <a:off x="4645025" y="1535113"/>
-            <a:ext cx="4041775" cy="639762"/>
+            <a:off x="4645026" y="1151335"/>
+            <a:ext cx="4041775" cy="479822"/>
           </a:xfrm>
         </p:spPr>
         <p:txBody>
@@ -1661,8 +1661,8 @@
         </p:nvSpPr>
         <p:spPr>
           <a:xfrm>
-            <a:off x="4645025" y="2174875"/>
-            <a:ext cx="4041775" cy="3951288"/>
+            <a:off x="4645026" y="1631156"/>
+            <a:ext cx="4041775" cy="2963466"/>
           </a:xfrm>
         </p:spPr>
         <p:txBody>
@@ -1752,7 +1752,7 @@
             <a:fld id="{D04041B9-F864-44C2-A985-02331B6A2E1A}" type="datetimeFigureOut">
               <a:rPr lang="zh-TW" altLang="en-US" smtClean="0"/>
               <a:pPr/>
-              <a:t>2018/8/25</a:t>
+              <a:t>2019/8/3</a:t>
             </a:fld>
             <a:endParaRPr lang="zh-TW" altLang="en-US"/>
           </a:p>
@@ -1867,7 +1867,7 @@
             <a:fld id="{D04041B9-F864-44C2-A985-02331B6A2E1A}" type="datetimeFigureOut">
               <a:rPr lang="zh-TW" altLang="en-US" smtClean="0"/>
               <a:pPr/>
-              <a:t>2018/8/25</a:t>
+              <a:t>2019/8/3</a:t>
             </a:fld>
             <a:endParaRPr lang="zh-TW" altLang="en-US"/>
           </a:p>
@@ -1959,7 +1959,7 @@
             <a:fld id="{D04041B9-F864-44C2-A985-02331B6A2E1A}" type="datetimeFigureOut">
               <a:rPr lang="zh-TW" altLang="en-US" smtClean="0"/>
               <a:pPr/>
-              <a:t>2018/8/25</a:t>
+              <a:t>2019/8/3</a:t>
             </a:fld>
             <a:endParaRPr lang="zh-TW" altLang="en-US"/>
           </a:p>
@@ -2045,8 +2045,8 @@
         </p:nvSpPr>
         <p:spPr>
           <a:xfrm>
-            <a:off x="457200" y="273050"/>
-            <a:ext cx="3008313" cy="1162050"/>
+            <a:off x="457201" y="204787"/>
+            <a:ext cx="3008313" cy="871538"/>
           </a:xfrm>
         </p:spPr>
         <p:txBody>
@@ -2077,8 +2077,8 @@
         </p:nvSpPr>
         <p:spPr>
           <a:xfrm>
-            <a:off x="3575050" y="273050"/>
-            <a:ext cx="5111750" cy="5853113"/>
+            <a:off x="3575050" y="204788"/>
+            <a:ext cx="5111750" cy="4389835"/>
           </a:xfrm>
         </p:spPr>
         <p:txBody>
@@ -2162,8 +2162,8 @@
         </p:nvSpPr>
         <p:spPr>
           <a:xfrm>
-            <a:off x="457200" y="1435100"/>
-            <a:ext cx="3008313" cy="4691063"/>
+            <a:off x="457201" y="1076326"/>
+            <a:ext cx="3008313" cy="3518297"/>
           </a:xfrm>
         </p:spPr>
         <p:txBody>
@@ -2233,7 +2233,7 @@
             <a:fld id="{D04041B9-F864-44C2-A985-02331B6A2E1A}" type="datetimeFigureOut">
               <a:rPr lang="zh-TW" altLang="en-US" smtClean="0"/>
               <a:pPr/>
-              <a:t>2018/8/25</a:t>
+              <a:t>2019/8/3</a:t>
             </a:fld>
             <a:endParaRPr lang="zh-TW" altLang="en-US"/>
           </a:p>
@@ -2319,8 +2319,8 @@
         </p:nvSpPr>
         <p:spPr>
           <a:xfrm>
-            <a:off x="1792288" y="4800600"/>
-            <a:ext cx="5486400" cy="566738"/>
+            <a:off x="1792288" y="3600450"/>
+            <a:ext cx="5486400" cy="425054"/>
           </a:xfrm>
         </p:spPr>
         <p:txBody>
@@ -2351,8 +2351,8 @@
         </p:nvSpPr>
         <p:spPr>
           <a:xfrm>
-            <a:off x="1792288" y="612775"/>
-            <a:ext cx="5486400" cy="4114800"/>
+            <a:off x="1792288" y="459581"/>
+            <a:ext cx="5486400" cy="3086100"/>
           </a:xfrm>
         </p:spPr>
         <p:txBody>
@@ -2416,8 +2416,8 @@
         </p:nvSpPr>
         <p:spPr>
           <a:xfrm>
-            <a:off x="1792288" y="5367338"/>
-            <a:ext cx="5486400" cy="804862"/>
+            <a:off x="1792288" y="4025503"/>
+            <a:ext cx="5486400" cy="603647"/>
           </a:xfrm>
         </p:spPr>
         <p:txBody>
@@ -2487,7 +2487,7 @@
             <a:fld id="{D04041B9-F864-44C2-A985-02331B6A2E1A}" type="datetimeFigureOut">
               <a:rPr lang="zh-TW" altLang="en-US" smtClean="0"/>
               <a:pPr/>
-              <a:t>2018/8/25</a:t>
+              <a:t>2019/8/3</a:t>
             </a:fld>
             <a:endParaRPr lang="zh-TW" altLang="en-US"/>
           </a:p>
@@ -2583,8 +2583,8 @@
         </p:nvSpPr>
         <p:spPr>
           <a:xfrm>
-            <a:off x="457200" y="274638"/>
-            <a:ext cx="8229600" cy="1143000"/>
+            <a:off x="457200" y="205979"/>
+            <a:ext cx="8229600" cy="857250"/>
           </a:xfrm>
           <a:prstGeom prst="rect">
             <a:avLst/>
@@ -2616,8 +2616,8 @@
         </p:nvSpPr>
         <p:spPr>
           <a:xfrm>
-            <a:off x="457200" y="1600200"/>
-            <a:ext cx="8229600" cy="4525963"/>
+            <a:off x="457200" y="1200151"/>
+            <a:ext cx="8229600" cy="3394472"/>
           </a:xfrm>
           <a:prstGeom prst="rect">
             <a:avLst/>
@@ -2678,8 +2678,8 @@
         </p:nvSpPr>
         <p:spPr>
           <a:xfrm>
-            <a:off x="457200" y="6356350"/>
-            <a:ext cx="2133600" cy="365125"/>
+            <a:off x="457200" y="4767263"/>
+            <a:ext cx="2133600" cy="273844"/>
           </a:xfrm>
           <a:prstGeom prst="rect">
             <a:avLst/>
@@ -2702,7 +2702,7 @@
             <a:fld id="{D04041B9-F864-44C2-A985-02331B6A2E1A}" type="datetimeFigureOut">
               <a:rPr lang="zh-TW" altLang="en-US" smtClean="0"/>
               <a:pPr/>
-              <a:t>2018/8/25</a:t>
+              <a:t>2019/8/3</a:t>
             </a:fld>
             <a:endParaRPr lang="zh-TW" altLang="en-US"/>
           </a:p>
@@ -2720,8 +2720,8 @@
         </p:nvSpPr>
         <p:spPr>
           <a:xfrm>
-            <a:off x="3124200" y="6356350"/>
-            <a:ext cx="2895600" cy="365125"/>
+            <a:off x="3124200" y="4767263"/>
+            <a:ext cx="2895600" cy="273844"/>
           </a:xfrm>
           <a:prstGeom prst="rect">
             <a:avLst/>
@@ -2757,8 +2757,8 @@
         </p:nvSpPr>
         <p:spPr>
           <a:xfrm>
-            <a:off x="6553200" y="6356350"/>
-            <a:ext cx="2133600" cy="365125"/>
+            <a:off x="6553200" y="4767263"/>
+            <a:ext cx="2133600" cy="273844"/>
           </a:xfrm>
           <a:prstGeom prst="rect">
             <a:avLst/>
@@ -3085,11 +3085,13 @@
         </p:nvSpPr>
         <p:spPr/>
         <p:txBody>
-          <a:bodyPr/>
-          <a:lstStyle/>
-          <a:p>
-            <a:r>
-              <a:rPr lang="zh-CN" altLang="en-US" b="1" dirty="0" smtClean="0">
+          <a:bodyPr>
+            <a:normAutofit/>
+          </a:bodyPr>
+          <a:lstStyle/>
+          <a:p>
+            <a:r>
+              <a:rPr lang="zh-CN" altLang="en-US" sz="4000" b="1" dirty="0" smtClean="0">
                 <a:solidFill>
                   <a:srgbClr val="000066"/>
                 </a:solidFill>
@@ -3098,7 +3100,7 @@
               </a:rPr>
               <a:t>耶穌恩友</a:t>
             </a:r>
-            <a:endParaRPr lang="zh-TW" altLang="en-US" b="1" dirty="0">
+            <a:endParaRPr lang="zh-TW" altLang="en-US" sz="4000" b="1" dirty="0">
               <a:solidFill>
                 <a:srgbClr val="000066"/>
               </a:solidFill>
@@ -3118,10 +3120,15 @@
             <p:ph idx="1"/>
           </p:nvPr>
         </p:nvSpPr>
-        <p:spPr/>
+        <p:spPr>
+          <a:xfrm>
+            <a:off x="35496" y="1200151"/>
+            <a:ext cx="9108504" cy="3394472"/>
+          </a:xfrm>
+        </p:spPr>
         <p:txBody>
           <a:bodyPr>
-            <a:normAutofit/>
+            <a:noAutofit/>
           </a:bodyPr>
           <a:lstStyle/>
           <a:p>
@@ -3129,16 +3136,26 @@
               <a:buNone/>
             </a:pPr>
             <a:r>
-              <a:rPr lang="zh-CN" altLang="en-US" sz="5400" b="1" dirty="0" smtClean="0">
+              <a:rPr lang="zh-CN" altLang="en-US" sz="4800" b="1" dirty="0" smtClean="0">
                 <a:solidFill>
                   <a:srgbClr val="000066"/>
                 </a:solidFill>
                 <a:latin typeface="微軟正黑體" pitchFamily="34" charset="-120"/>
                 <a:ea typeface="微軟正黑體" pitchFamily="34" charset="-120"/>
               </a:rPr>
-              <a:t>救主為我親愛知心</a:t>
-            </a:r>
-            <a:endParaRPr lang="en-US" altLang="zh-CN" sz="5400" b="1" dirty="0" smtClean="0">
+              <a:t>救主為我親愛知</a:t>
+            </a:r>
+            <a:r>
+              <a:rPr lang="zh-CN" altLang="en-US" sz="4800" b="1" dirty="0" smtClean="0">
+                <a:solidFill>
+                  <a:srgbClr val="000066"/>
+                </a:solidFill>
+                <a:latin typeface="微軟正黑體" pitchFamily="34" charset="-120"/>
+                <a:ea typeface="微軟正黑體" pitchFamily="34" charset="-120"/>
+              </a:rPr>
+              <a:t>心</a:t>
+            </a:r>
+            <a:endParaRPr lang="en-US" altLang="zh-CN" sz="4800" b="1" dirty="0" smtClean="0">
               <a:solidFill>
                 <a:srgbClr val="000066"/>
               </a:solidFill>
@@ -3151,7 +3168,7 @@
               <a:buNone/>
             </a:pPr>
             <a:r>
-              <a:rPr lang="zh-CN" altLang="en-US" sz="5400" b="1" dirty="0" smtClean="0">
+              <a:rPr lang="zh-CN" altLang="en-US" sz="4800" b="1" dirty="0" smtClean="0">
                 <a:solidFill>
                   <a:srgbClr val="000066"/>
                 </a:solidFill>
@@ -3160,7 +3177,7 @@
               </a:rPr>
               <a:t>擔當我諸般苦憂</a:t>
             </a:r>
-            <a:endParaRPr lang="en-US" altLang="zh-CN" sz="5400" b="1" dirty="0" smtClean="0">
+            <a:endParaRPr lang="en-US" altLang="zh-CN" sz="4800" b="1" dirty="0" smtClean="0">
               <a:solidFill>
                 <a:srgbClr val="000066"/>
               </a:solidFill>
@@ -3173,16 +3190,26 @@
               <a:buNone/>
             </a:pPr>
             <a:r>
-              <a:rPr lang="zh-CN" altLang="en-US" sz="5400" b="1" dirty="0" smtClean="0">
+              <a:rPr lang="zh-CN" altLang="en-US" sz="4800" b="1" dirty="0" smtClean="0">
                 <a:solidFill>
                   <a:srgbClr val="000066"/>
                 </a:solidFill>
                 <a:latin typeface="微軟正黑體" pitchFamily="34" charset="-120"/>
                 <a:ea typeface="微軟正黑體" pitchFamily="34" charset="-120"/>
               </a:rPr>
-              <a:t>一切事務憂喜甘苦</a:t>
-            </a:r>
-            <a:endParaRPr lang="en-US" altLang="zh-CN" sz="5400" b="1" dirty="0" smtClean="0">
+              <a:t>一</a:t>
+            </a:r>
+            <a:r>
+              <a:rPr lang="zh-CN" altLang="en-US" sz="4800" b="1" dirty="0" smtClean="0">
+                <a:solidFill>
+                  <a:srgbClr val="000066"/>
+                </a:solidFill>
+                <a:latin typeface="微軟正黑體" pitchFamily="34" charset="-120"/>
+                <a:ea typeface="微軟正黑體" pitchFamily="34" charset="-120"/>
+              </a:rPr>
+              <a:t>切事務憂喜甘苦</a:t>
+            </a:r>
+            <a:endParaRPr lang="en-US" altLang="zh-CN" sz="4800" b="1" dirty="0" smtClean="0">
               <a:solidFill>
                 <a:srgbClr val="000066"/>
               </a:solidFill>
@@ -3195,7 +3222,7 @@
               <a:buNone/>
             </a:pPr>
             <a:r>
-              <a:rPr lang="zh-CN" altLang="en-US" sz="5400" b="1" dirty="0" smtClean="0">
+              <a:rPr lang="zh-CN" altLang="en-US" sz="4800" b="1" dirty="0" smtClean="0">
                 <a:solidFill>
                   <a:srgbClr val="000066"/>
                 </a:solidFill>
@@ -3204,12 +3231,51 @@
               </a:rPr>
               <a:t>俱在耶穌恩座求</a:t>
             </a:r>
-            <a:endParaRPr lang="zh-TW" altLang="en-US" sz="5400" b="1" dirty="0">
+            <a:endParaRPr lang="zh-TW" altLang="en-US" sz="4800" b="1" dirty="0">
               <a:solidFill>
                 <a:srgbClr val="000066"/>
               </a:solidFill>
               <a:latin typeface="微軟正黑體" pitchFamily="34" charset="-120"/>
               <a:ea typeface="微軟正黑體" pitchFamily="34" charset="-120"/>
+            </a:endParaRPr>
+          </a:p>
+        </p:txBody>
+      </p:sp>
+      <p:sp>
+        <p:nvSpPr>
+          <p:cNvPr id="2" name="TextBox 1"/>
+          <p:cNvSpPr txBox="1"/>
+          <p:nvPr/>
+        </p:nvSpPr>
+        <p:spPr>
+          <a:xfrm>
+            <a:off x="1187624" y="1237074"/>
+            <a:ext cx="792088" cy="769441"/>
+          </a:xfrm>
+          <a:prstGeom prst="rect">
+            <a:avLst/>
+          </a:prstGeom>
+          <a:noFill/>
+        </p:spPr>
+        <p:txBody>
+          <a:bodyPr wrap="square" rtlCol="0">
+            <a:spAutoFit/>
+          </a:bodyPr>
+          <a:lstStyle/>
+          <a:p>
+            <a:pPr algn="ctr"/>
+            <a:r>
+              <a:rPr lang="en-US" sz="4400" b="1" dirty="0" smtClean="0">
+                <a:solidFill>
+                  <a:srgbClr val="000066"/>
+                </a:solidFill>
+              </a:rPr>
+              <a:t>1.</a:t>
+            </a:r>
+            <a:endParaRPr lang="en-US" sz="4400" b="1" dirty="0">
+              <a:solidFill>
+                <a:srgbClr val="000066"/>
+              </a:solidFill>
             </a:endParaRPr>
           </a:p>
         </p:txBody>
@@ -3251,11 +3317,13 @@
         </p:nvSpPr>
         <p:spPr/>
         <p:txBody>
-          <a:bodyPr/>
-          <a:lstStyle/>
-          <a:p>
-            <a:r>
-              <a:rPr lang="zh-CN" altLang="en-US" b="1" dirty="0" smtClean="0">
+          <a:bodyPr>
+            <a:normAutofit/>
+          </a:bodyPr>
+          <a:lstStyle/>
+          <a:p>
+            <a:r>
+              <a:rPr lang="zh-CN" altLang="en-US" sz="4000" b="1" dirty="0">
                 <a:solidFill>
                   <a:srgbClr val="000066"/>
                 </a:solidFill>
@@ -3264,7 +3332,7 @@
               </a:rPr>
               <a:t>耶穌恩友</a:t>
             </a:r>
-            <a:endParaRPr lang="zh-TW" altLang="en-US" b="1" dirty="0">
+            <a:endParaRPr lang="zh-TW" altLang="en-US" sz="4000" b="1" dirty="0">
               <a:solidFill>
                 <a:srgbClr val="000066"/>
               </a:solidFill>
@@ -3287,7 +3355,7 @@
         <p:spPr/>
         <p:txBody>
           <a:bodyPr>
-            <a:normAutofit/>
+            <a:noAutofit/>
           </a:bodyPr>
           <a:lstStyle/>
           <a:p>
@@ -3295,7 +3363,7 @@
               <a:buNone/>
             </a:pPr>
             <a:r>
-              <a:rPr lang="zh-CN" altLang="en-US" sz="5400" b="1" dirty="0" smtClean="0">
+              <a:rPr lang="zh-CN" altLang="en-US" sz="4800" b="1" dirty="0">
                 <a:solidFill>
                   <a:srgbClr val="000066"/>
                 </a:solidFill>
@@ -3304,7 +3372,7 @@
               </a:rPr>
               <a:t>喜樂平安屢屢失去</a:t>
             </a:r>
-            <a:endParaRPr lang="en-US" altLang="zh-CN" sz="5400" b="1" dirty="0" smtClean="0">
+            <a:endParaRPr lang="en-US" altLang="zh-CN" sz="4800" b="1" dirty="0">
               <a:solidFill>
                 <a:srgbClr val="000066"/>
               </a:solidFill>
@@ -3317,7 +3385,7 @@
               <a:buNone/>
             </a:pPr>
             <a:r>
-              <a:rPr lang="zh-CN" altLang="en-US" sz="5400" b="1" dirty="0" smtClean="0">
+              <a:rPr lang="zh-CN" altLang="en-US" sz="4800" b="1" dirty="0">
                 <a:solidFill>
                   <a:srgbClr val="000066"/>
                 </a:solidFill>
@@ -3326,7 +3394,7 @@
               </a:rPr>
               <a:t>有時痛苦淚直流</a:t>
             </a:r>
-            <a:endParaRPr lang="en-US" altLang="zh-CN" sz="5400" b="1" dirty="0" smtClean="0">
+            <a:endParaRPr lang="en-US" altLang="zh-CN" sz="4800" b="1" dirty="0">
               <a:solidFill>
                 <a:srgbClr val="000066"/>
               </a:solidFill>
@@ -3339,26 +3407,16 @@
               <a:buNone/>
             </a:pPr>
             <a:r>
-              <a:rPr lang="zh-CN" altLang="en-US" sz="5400" b="1" dirty="0">
+              <a:rPr lang="zh-CN" altLang="en-US" sz="4800" b="1" dirty="0">
                 <a:solidFill>
                   <a:srgbClr val="000066"/>
                 </a:solidFill>
                 <a:latin typeface="微軟正黑體" pitchFamily="34" charset="-120"/>
                 <a:ea typeface="微軟正黑體" pitchFamily="34" charset="-120"/>
               </a:rPr>
-              <a:t>皆</a:t>
-            </a:r>
-            <a:r>
-              <a:rPr lang="zh-CN" altLang="en-US" sz="5400" b="1" dirty="0" smtClean="0">
-                <a:solidFill>
-                  <a:srgbClr val="000066"/>
-                </a:solidFill>
-                <a:latin typeface="微軟正黑體" pitchFamily="34" charset="-120"/>
-                <a:ea typeface="微軟正黑體" pitchFamily="34" charset="-120"/>
-              </a:rPr>
-              <a:t>因世俗情慾纏繞</a:t>
-            </a:r>
-            <a:endParaRPr lang="en-US" altLang="zh-CN" sz="5400" b="1" dirty="0" smtClean="0">
+              <a:t>皆因世俗情慾纏繞</a:t>
+            </a:r>
+            <a:endParaRPr lang="en-US" altLang="zh-CN" sz="4800" b="1" dirty="0">
               <a:solidFill>
                 <a:srgbClr val="000066"/>
               </a:solidFill>
@@ -3371,7 +3429,7 @@
               <a:buNone/>
             </a:pPr>
             <a:r>
-              <a:rPr lang="zh-CN" altLang="en-US" sz="5400" b="1" dirty="0" smtClean="0">
+              <a:rPr lang="zh-CN" altLang="en-US" sz="4800" b="1" dirty="0">
                 <a:solidFill>
                   <a:srgbClr val="000066"/>
                 </a:solidFill>
@@ -3380,7 +3438,7 @@
               </a:rPr>
               <a:t>少在耶穌恩座求</a:t>
             </a:r>
-            <a:endParaRPr lang="zh-TW" altLang="en-US" sz="5400" b="1" dirty="0">
+            <a:endParaRPr lang="zh-TW" altLang="en-US" sz="4800" b="1" dirty="0">
               <a:solidFill>
                 <a:srgbClr val="000066"/>
               </a:solidFill>
@@ -3427,11 +3485,13 @@
         </p:nvSpPr>
         <p:spPr/>
         <p:txBody>
-          <a:bodyPr/>
-          <a:lstStyle/>
-          <a:p>
-            <a:r>
-              <a:rPr lang="zh-CN" altLang="en-US" b="1" dirty="0" smtClean="0">
+          <a:bodyPr>
+            <a:normAutofit/>
+          </a:bodyPr>
+          <a:lstStyle/>
+          <a:p>
+            <a:r>
+              <a:rPr lang="zh-CN" altLang="en-US" sz="4000" b="1" dirty="0">
                 <a:solidFill>
                   <a:srgbClr val="000066"/>
                 </a:solidFill>
@@ -3440,7 +3500,7 @@
               </a:rPr>
               <a:t>耶穌恩友</a:t>
             </a:r>
-            <a:endParaRPr lang="zh-TW" altLang="en-US" b="1" dirty="0">
+            <a:endParaRPr lang="zh-TW" altLang="en-US" sz="4000" b="1" dirty="0">
               <a:solidFill>
                 <a:srgbClr val="000066"/>
               </a:solidFill>
@@ -3463,7 +3523,7 @@
         <p:spPr/>
         <p:txBody>
           <a:bodyPr>
-            <a:normAutofit/>
+            <a:noAutofit/>
           </a:bodyPr>
           <a:lstStyle/>
           <a:p>
@@ -3471,7 +3531,7 @@
               <a:buNone/>
             </a:pPr>
             <a:r>
-              <a:rPr lang="zh-CN" altLang="en-US" sz="5400" b="1" dirty="0" smtClean="0">
+              <a:rPr lang="zh-CN" altLang="en-US" sz="4800" b="1" dirty="0">
                 <a:solidFill>
                   <a:srgbClr val="000066"/>
                 </a:solidFill>
@@ -3480,7 +3540,7 @@
               </a:rPr>
               <a:t>或受魔鬼誘惑試探</a:t>
             </a:r>
-            <a:endParaRPr lang="en-US" altLang="zh-CN" sz="5400" b="1" dirty="0" smtClean="0">
+            <a:endParaRPr lang="en-US" altLang="zh-CN" sz="4800" b="1" dirty="0">
               <a:solidFill>
                 <a:srgbClr val="000066"/>
               </a:solidFill>
@@ -3493,7 +3553,7 @@
               <a:buNone/>
             </a:pPr>
             <a:r>
-              <a:rPr lang="zh-CN" altLang="en-US" sz="5400" b="1" dirty="0">
+              <a:rPr lang="zh-CN" altLang="en-US" sz="4800" b="1" dirty="0">
                 <a:solidFill>
                   <a:srgbClr val="000066"/>
                 </a:solidFill>
@@ -3503,7 +3563,7 @@
               <a:t>或</a:t>
             </a:r>
             <a:r>
-              <a:rPr lang="zh-CN" altLang="en-US" sz="5400" b="1" dirty="0" smtClean="0">
+              <a:rPr lang="zh-CN" altLang="en-US" sz="4800" b="1" dirty="0">
                 <a:solidFill>
                   <a:srgbClr val="000066"/>
                 </a:solidFill>
@@ -3512,7 +3572,7 @@
               </a:rPr>
               <a:t>有逼迫與憂愁</a:t>
             </a:r>
-            <a:endParaRPr lang="en-US" altLang="zh-CN" sz="5400" b="1" dirty="0" smtClean="0">
+            <a:endParaRPr lang="en-US" altLang="zh-CN" sz="4800" b="1" dirty="0">
               <a:solidFill>
                 <a:srgbClr val="000066"/>
               </a:solidFill>
@@ -3525,7 +3585,7 @@
               <a:buNone/>
             </a:pPr>
             <a:r>
-              <a:rPr lang="zh-CN" altLang="en-US" sz="5400" b="1" dirty="0">
+              <a:rPr lang="zh-CN" altLang="en-US" sz="4800" b="1" dirty="0">
                 <a:solidFill>
                   <a:srgbClr val="000066"/>
                 </a:solidFill>
@@ -3535,7 +3595,7 @@
               <a:t>切</a:t>
             </a:r>
             <a:r>
-              <a:rPr lang="zh-CN" altLang="en-US" sz="5400" b="1" dirty="0" smtClean="0">
+              <a:rPr lang="zh-CN" altLang="en-US" sz="4800" b="1" dirty="0">
                 <a:solidFill>
                   <a:srgbClr val="000066"/>
                 </a:solidFill>
@@ -3544,7 +3604,7 @@
               </a:rPr>
               <a:t>莫絕望心須剛強</a:t>
             </a:r>
-            <a:endParaRPr lang="en-US" altLang="zh-CN" sz="5400" b="1" dirty="0" smtClean="0">
+            <a:endParaRPr lang="en-US" altLang="zh-CN" sz="4800" b="1" dirty="0">
               <a:solidFill>
                 <a:srgbClr val="000066"/>
               </a:solidFill>
@@ -3557,7 +3617,7 @@
               <a:buNone/>
             </a:pPr>
             <a:r>
-              <a:rPr lang="zh-CN" altLang="en-US" sz="5400" b="1" dirty="0" smtClean="0">
+              <a:rPr lang="zh-CN" altLang="en-US" sz="4800" b="1" dirty="0">
                 <a:solidFill>
                   <a:srgbClr val="000066"/>
                 </a:solidFill>
@@ -3566,12 +3626,59 @@
               </a:rPr>
               <a:t>多在耶穌恩座求</a:t>
             </a:r>
-            <a:endParaRPr lang="zh-TW" altLang="en-US" sz="5400" b="1" dirty="0">
+            <a:endParaRPr lang="zh-TW" altLang="en-US" sz="4800" b="1" dirty="0">
               <a:solidFill>
                 <a:srgbClr val="000066"/>
               </a:solidFill>
               <a:latin typeface="微軟正黑體" pitchFamily="34" charset="-120"/>
               <a:ea typeface="微軟正黑體" pitchFamily="34" charset="-120"/>
+            </a:endParaRPr>
+          </a:p>
+        </p:txBody>
+      </p:sp>
+      <p:sp>
+        <p:nvSpPr>
+          <p:cNvPr id="6" name="TextBox 5"/>
+          <p:cNvSpPr txBox="1"/>
+          <p:nvPr/>
+        </p:nvSpPr>
+        <p:spPr>
+          <a:xfrm>
+            <a:off x="1187624" y="1236558"/>
+            <a:ext cx="792088" cy="769441"/>
+          </a:xfrm>
+          <a:prstGeom prst="rect">
+            <a:avLst/>
+          </a:prstGeom>
+          <a:noFill/>
+        </p:spPr>
+        <p:txBody>
+          <a:bodyPr wrap="square" rtlCol="0">
+            <a:spAutoFit/>
+          </a:bodyPr>
+          <a:lstStyle/>
+          <a:p>
+            <a:pPr algn="ctr"/>
+            <a:r>
+              <a:rPr lang="en-US" sz="4400" b="1" dirty="0">
+                <a:solidFill>
+                  <a:srgbClr val="000066"/>
+                </a:solidFill>
+              </a:rPr>
+              <a:t>2</a:t>
+            </a:r>
+            <a:r>
+              <a:rPr lang="en-US" sz="4400" b="1" dirty="0" smtClean="0">
+                <a:solidFill>
+                  <a:srgbClr val="000066"/>
+                </a:solidFill>
+              </a:rPr>
+              <a:t>.</a:t>
+            </a:r>
+            <a:endParaRPr lang="en-US" sz="4400" b="1" dirty="0">
+              <a:solidFill>
+                <a:srgbClr val="000066"/>
+              </a:solidFill>
             </a:endParaRPr>
           </a:p>
         </p:txBody>
@@ -3613,11 +3720,13 @@
         </p:nvSpPr>
         <p:spPr/>
         <p:txBody>
-          <a:bodyPr/>
-          <a:lstStyle/>
-          <a:p>
-            <a:r>
-              <a:rPr lang="zh-CN" altLang="en-US" b="1" dirty="0" smtClean="0">
+          <a:bodyPr>
+            <a:normAutofit/>
+          </a:bodyPr>
+          <a:lstStyle/>
+          <a:p>
+            <a:r>
+              <a:rPr lang="zh-CN" altLang="en-US" sz="4000" b="1" dirty="0">
                 <a:solidFill>
                   <a:srgbClr val="000066"/>
                 </a:solidFill>
@@ -3626,7 +3735,7 @@
               </a:rPr>
               <a:t>耶穌恩友</a:t>
             </a:r>
-            <a:endParaRPr lang="zh-TW" altLang="en-US" b="1" dirty="0">
+            <a:endParaRPr lang="zh-TW" altLang="en-US" sz="4000" b="1" dirty="0">
               <a:solidFill>
                 <a:srgbClr val="000066"/>
               </a:solidFill>
@@ -3649,7 +3758,7 @@
         <p:spPr/>
         <p:txBody>
           <a:bodyPr>
-            <a:normAutofit/>
+            <a:noAutofit/>
           </a:bodyPr>
           <a:lstStyle/>
           <a:p>
@@ -3657,7 +3766,7 @@
               <a:buNone/>
             </a:pPr>
             <a:r>
-              <a:rPr lang="zh-CN" altLang="en-US" sz="5400" b="1" dirty="0" smtClean="0">
+              <a:rPr lang="zh-CN" altLang="en-US" sz="4800" b="1" dirty="0">
                 <a:solidFill>
                   <a:srgbClr val="000066"/>
                 </a:solidFill>
@@ -3666,7 +3775,7 @@
               </a:rPr>
               <a:t>耶穌深知我們軟弱</a:t>
             </a:r>
-            <a:endParaRPr lang="en-US" altLang="zh-CN" sz="5400" b="1" dirty="0" smtClean="0">
+            <a:endParaRPr lang="en-US" altLang="zh-CN" sz="4800" b="1" dirty="0">
               <a:solidFill>
                 <a:srgbClr val="000066"/>
               </a:solidFill>
@@ -3679,7 +3788,7 @@
               <a:buNone/>
             </a:pPr>
             <a:r>
-              <a:rPr lang="zh-CN" altLang="en-US" sz="5400" b="1" dirty="0" smtClean="0">
+              <a:rPr lang="zh-CN" altLang="en-US" sz="4800" b="1" dirty="0">
                 <a:solidFill>
                   <a:srgbClr val="000066"/>
                 </a:solidFill>
@@ -3688,7 +3797,7 @@
               </a:rPr>
               <a:t>搭救體恤愛無休</a:t>
             </a:r>
-            <a:endParaRPr lang="en-US" altLang="zh-CN" sz="5400" b="1" dirty="0" smtClean="0">
+            <a:endParaRPr lang="en-US" altLang="zh-CN" sz="4800" b="1" dirty="0">
               <a:solidFill>
                 <a:srgbClr val="000066"/>
               </a:solidFill>
@@ -3701,7 +3810,7 @@
               <a:buNone/>
             </a:pPr>
             <a:r>
-              <a:rPr lang="zh-CN" altLang="en-US" sz="5400" b="1" dirty="0" smtClean="0">
+              <a:rPr lang="zh-CN" altLang="en-US" sz="4800" b="1" dirty="0">
                 <a:solidFill>
                   <a:srgbClr val="000066"/>
                 </a:solidFill>
@@ -3710,7 +3819,7 @@
               </a:rPr>
               <a:t>確實信心堅持到底</a:t>
             </a:r>
-            <a:endParaRPr lang="en-US" altLang="zh-CN" sz="5400" b="1" dirty="0" smtClean="0">
+            <a:endParaRPr lang="en-US" altLang="zh-CN" sz="4800" b="1" dirty="0">
               <a:solidFill>
                 <a:srgbClr val="000066"/>
               </a:solidFill>
@@ -3723,7 +3832,7 @@
               <a:buNone/>
             </a:pPr>
             <a:r>
-              <a:rPr lang="zh-CN" altLang="en-US" sz="5400" b="1" dirty="0" smtClean="0">
+              <a:rPr lang="zh-CN" altLang="en-US" sz="4800" b="1" dirty="0">
                 <a:solidFill>
                   <a:srgbClr val="000066"/>
                 </a:solidFill>
@@ -3732,7 +3841,7 @@
               </a:rPr>
               <a:t>常在耶穌恩座求</a:t>
             </a:r>
-            <a:endParaRPr lang="zh-TW" altLang="en-US" sz="5400" b="1" dirty="0">
+            <a:endParaRPr lang="zh-TW" altLang="en-US" sz="4800" b="1" dirty="0">
               <a:solidFill>
                 <a:srgbClr val="000066"/>
               </a:solidFill>
@@ -3779,11 +3888,13 @@
         </p:nvSpPr>
         <p:spPr/>
         <p:txBody>
-          <a:bodyPr/>
-          <a:lstStyle/>
-          <a:p>
-            <a:r>
-              <a:rPr lang="zh-CN" altLang="en-US" b="1" dirty="0" smtClean="0">
+          <a:bodyPr>
+            <a:normAutofit/>
+          </a:bodyPr>
+          <a:lstStyle/>
+          <a:p>
+            <a:r>
+              <a:rPr lang="zh-CN" altLang="en-US" sz="4000" b="1" dirty="0">
                 <a:solidFill>
                   <a:srgbClr val="000066"/>
                 </a:solidFill>
@@ -3792,7 +3903,7 @@
               </a:rPr>
               <a:t>耶穌恩友</a:t>
             </a:r>
-            <a:endParaRPr lang="zh-TW" altLang="en-US" b="1" dirty="0">
+            <a:endParaRPr lang="zh-TW" altLang="en-US" sz="4000" b="1" dirty="0">
               <a:solidFill>
                 <a:srgbClr val="000066"/>
               </a:solidFill>
@@ -3815,7 +3926,7 @@
         <p:spPr/>
         <p:txBody>
           <a:bodyPr>
-            <a:normAutofit/>
+            <a:noAutofit/>
           </a:bodyPr>
           <a:lstStyle/>
           <a:p>
@@ -3823,7 +3934,7 @@
               <a:buNone/>
             </a:pPr>
             <a:r>
-              <a:rPr lang="zh-CN" altLang="en-US" sz="5400" b="1" dirty="0" smtClean="0">
+              <a:rPr lang="zh-CN" altLang="en-US" sz="4800" b="1" dirty="0">
                 <a:solidFill>
                   <a:srgbClr val="000066"/>
                 </a:solidFill>
@@ -3832,7 +3943,7 @@
               </a:rPr>
               <a:t>時而軟弱多有愁苦</a:t>
             </a:r>
-            <a:endParaRPr lang="en-US" altLang="zh-CN" sz="5400" b="1" dirty="0" smtClean="0">
+            <a:endParaRPr lang="en-US" altLang="zh-CN" sz="4800" b="1" dirty="0">
               <a:solidFill>
                 <a:srgbClr val="000066"/>
               </a:solidFill>
@@ -3845,7 +3956,7 @@
               <a:buNone/>
             </a:pPr>
             <a:r>
-              <a:rPr lang="zh-CN" altLang="en-US" sz="5400" b="1" dirty="0" smtClean="0">
+              <a:rPr lang="zh-CN" altLang="en-US" sz="4800" b="1" dirty="0">
                 <a:solidFill>
                   <a:srgbClr val="000066"/>
                 </a:solidFill>
@@ -3854,7 +3965,7 @@
               </a:rPr>
               <a:t>事務煩矣且無謀</a:t>
             </a:r>
-            <a:endParaRPr lang="en-US" altLang="zh-CN" sz="5400" b="1" dirty="0" smtClean="0">
+            <a:endParaRPr lang="en-US" altLang="zh-CN" sz="4800" b="1" dirty="0">
               <a:solidFill>
                 <a:srgbClr val="000066"/>
               </a:solidFill>
@@ -3867,7 +3978,7 @@
               <a:buNone/>
             </a:pPr>
             <a:r>
-              <a:rPr lang="zh-CN" altLang="en-US" sz="5400" b="1" dirty="0" smtClean="0">
+              <a:rPr lang="zh-CN" altLang="en-US" sz="4800" b="1" dirty="0">
                 <a:solidFill>
                   <a:srgbClr val="000066"/>
                 </a:solidFill>
@@ -3876,7 +3987,7 @@
               </a:rPr>
               <a:t>忽想奔至全能救主</a:t>
             </a:r>
-            <a:endParaRPr lang="en-US" altLang="zh-CN" sz="5400" b="1" dirty="0" smtClean="0">
+            <a:endParaRPr lang="en-US" altLang="zh-CN" sz="4800" b="1" dirty="0">
               <a:solidFill>
                 <a:srgbClr val="000066"/>
               </a:solidFill>
@@ -3889,7 +4000,7 @@
               <a:buNone/>
             </a:pPr>
             <a:r>
-              <a:rPr lang="zh-CN" altLang="en-US" sz="5400" b="1" dirty="0" smtClean="0">
+              <a:rPr lang="zh-CN" altLang="en-US" sz="4800" b="1" dirty="0">
                 <a:solidFill>
                   <a:srgbClr val="000066"/>
                 </a:solidFill>
@@ -3898,12 +4009,51 @@
               </a:rPr>
               <a:t>樂向耶穌恩座求</a:t>
             </a:r>
-            <a:endParaRPr lang="zh-TW" altLang="en-US" sz="5400" b="1" dirty="0">
+            <a:endParaRPr lang="zh-TW" altLang="en-US" sz="4800" b="1" dirty="0">
               <a:solidFill>
                 <a:srgbClr val="000066"/>
               </a:solidFill>
               <a:latin typeface="微軟正黑體" pitchFamily="34" charset="-120"/>
               <a:ea typeface="微軟正黑體" pitchFamily="34" charset="-120"/>
+            </a:endParaRPr>
+          </a:p>
+        </p:txBody>
+      </p:sp>
+      <p:sp>
+        <p:nvSpPr>
+          <p:cNvPr id="6" name="TextBox 5"/>
+          <p:cNvSpPr txBox="1"/>
+          <p:nvPr/>
+        </p:nvSpPr>
+        <p:spPr>
+          <a:xfrm>
+            <a:off x="1187624" y="1236558"/>
+            <a:ext cx="792088" cy="769441"/>
+          </a:xfrm>
+          <a:prstGeom prst="rect">
+            <a:avLst/>
+          </a:prstGeom>
+          <a:noFill/>
+        </p:spPr>
+        <p:txBody>
+          <a:bodyPr wrap="square" rtlCol="0">
+            <a:spAutoFit/>
+          </a:bodyPr>
+          <a:lstStyle/>
+          <a:p>
+            <a:pPr algn="ctr"/>
+            <a:r>
+              <a:rPr lang="en-US" sz="4400" b="1" dirty="0" smtClean="0">
+                <a:solidFill>
+                  <a:srgbClr val="000066"/>
+                </a:solidFill>
+              </a:rPr>
+              <a:t>3.</a:t>
+            </a:r>
+            <a:endParaRPr lang="en-US" sz="4400" b="1" dirty="0">
+              <a:solidFill>
+                <a:srgbClr val="000066"/>
+              </a:solidFill>
             </a:endParaRPr>
           </a:p>
         </p:txBody>
@@ -3945,11 +4095,13 @@
         </p:nvSpPr>
         <p:spPr/>
         <p:txBody>
-          <a:bodyPr/>
-          <a:lstStyle/>
-          <a:p>
-            <a:r>
-              <a:rPr lang="zh-CN" altLang="en-US" b="1" dirty="0" smtClean="0">
+          <a:bodyPr>
+            <a:normAutofit/>
+          </a:bodyPr>
+          <a:lstStyle/>
+          <a:p>
+            <a:r>
+              <a:rPr lang="zh-CN" altLang="en-US" sz="4000" b="1" dirty="0">
                 <a:solidFill>
                   <a:srgbClr val="000066"/>
                 </a:solidFill>
@@ -3958,7 +4110,7 @@
               </a:rPr>
               <a:t>耶穌恩友</a:t>
             </a:r>
-            <a:endParaRPr lang="zh-TW" altLang="en-US" b="1" dirty="0">
+            <a:endParaRPr lang="zh-TW" altLang="en-US" sz="4000" b="1" dirty="0">
               <a:solidFill>
                 <a:srgbClr val="000066"/>
               </a:solidFill>
@@ -3981,7 +4133,7 @@
         <p:spPr/>
         <p:txBody>
           <a:bodyPr>
-            <a:normAutofit/>
+            <a:noAutofit/>
           </a:bodyPr>
           <a:lstStyle/>
           <a:p>
@@ -3989,7 +4141,7 @@
               <a:buNone/>
             </a:pPr>
             <a:r>
-              <a:rPr lang="zh-CN" altLang="en-US" sz="5400" b="1" dirty="0" smtClean="0">
+              <a:rPr lang="zh-CN" altLang="en-US" sz="4800" b="1" dirty="0">
                 <a:solidFill>
                   <a:srgbClr val="000066"/>
                 </a:solidFill>
@@ -3998,7 +4150,7 @@
               </a:rPr>
               <a:t>親或輕我友或離我</a:t>
             </a:r>
-            <a:endParaRPr lang="en-US" altLang="zh-CN" sz="5400" b="1" dirty="0" smtClean="0">
+            <a:endParaRPr lang="en-US" altLang="zh-CN" sz="4800" b="1" dirty="0">
               <a:solidFill>
                 <a:srgbClr val="000066"/>
               </a:solidFill>
@@ -4011,7 +4163,7 @@
               <a:buNone/>
             </a:pPr>
             <a:r>
-              <a:rPr lang="zh-CN" altLang="en-US" sz="5400" b="1" dirty="0" smtClean="0">
+              <a:rPr lang="zh-CN" altLang="en-US" sz="4800" b="1" dirty="0">
                 <a:solidFill>
                   <a:srgbClr val="000066"/>
                 </a:solidFill>
@@ -4020,7 +4172,7 @@
               </a:rPr>
               <a:t>財寶名利無存留</a:t>
             </a:r>
-            <a:endParaRPr lang="en-US" altLang="zh-CN" sz="5400" b="1" dirty="0" smtClean="0">
+            <a:endParaRPr lang="en-US" altLang="zh-CN" sz="4800" b="1" dirty="0">
               <a:solidFill>
                 <a:srgbClr val="000066"/>
               </a:solidFill>
@@ -4033,7 +4185,7 @@
               <a:buNone/>
             </a:pPr>
             <a:r>
-              <a:rPr lang="zh-CN" altLang="en-US" sz="5400" b="1" dirty="0" smtClean="0">
+              <a:rPr lang="zh-CN" altLang="en-US" sz="4800" b="1" dirty="0">
                 <a:solidFill>
                   <a:srgbClr val="000066"/>
                 </a:solidFill>
@@ -4042,7 +4194,7 @@
               </a:rPr>
               <a:t>惟一恆友極其穩妥</a:t>
             </a:r>
-            <a:endParaRPr lang="en-US" altLang="zh-CN" sz="5400" b="1" dirty="0" smtClean="0">
+            <a:endParaRPr lang="en-US" altLang="zh-CN" sz="4800" b="1" dirty="0">
               <a:solidFill>
                 <a:srgbClr val="000066"/>
               </a:solidFill>
@@ -4055,7 +4207,7 @@
               <a:buNone/>
             </a:pPr>
             <a:r>
-              <a:rPr lang="zh-CN" altLang="en-US" sz="5400" b="1" dirty="0" smtClean="0">
+              <a:rPr lang="zh-CN" altLang="en-US" sz="4800" b="1" dirty="0">
                 <a:solidFill>
                   <a:srgbClr val="000066"/>
                 </a:solidFill>
@@ -4064,7 +4216,7 @@
               </a:rPr>
               <a:t>常在耶穌恩座求</a:t>
             </a:r>
-            <a:endParaRPr lang="zh-TW" altLang="en-US" sz="5400" b="1" dirty="0">
+            <a:endParaRPr lang="zh-TW" altLang="en-US" sz="4800" b="1" dirty="0">
               <a:solidFill>
                 <a:srgbClr val="000066"/>
               </a:solidFill>
